--- a/7_figures/Figure_S6.pptx
+++ b/7_figures/Figure_S6.pptx
@@ -243,7 +243,7 @@
           <a:p>
             <a:fld id="{B465379F-072B-7C4D-8A94-CEFE079C28E6}" type="datetimeFigureOut">
               <a:rPr lang="en-US" smtClean="0"/>
-              <a:t>12/15/20</a:t>
+              <a:t>12/20/20</a:t>
             </a:fld>
             <a:endParaRPr lang="en-US"/>
           </a:p>
@@ -413,7 +413,7 @@
           <a:p>
             <a:fld id="{B465379F-072B-7C4D-8A94-CEFE079C28E6}" type="datetimeFigureOut">
               <a:rPr lang="en-US" smtClean="0"/>
-              <a:t>12/15/20</a:t>
+              <a:t>12/20/20</a:t>
             </a:fld>
             <a:endParaRPr lang="en-US"/>
           </a:p>
@@ -593,7 +593,7 @@
           <a:p>
             <a:fld id="{B465379F-072B-7C4D-8A94-CEFE079C28E6}" type="datetimeFigureOut">
               <a:rPr lang="en-US" smtClean="0"/>
-              <a:t>12/15/20</a:t>
+              <a:t>12/20/20</a:t>
             </a:fld>
             <a:endParaRPr lang="en-US"/>
           </a:p>
@@ -763,7 +763,7 @@
           <a:p>
             <a:fld id="{B465379F-072B-7C4D-8A94-CEFE079C28E6}" type="datetimeFigureOut">
               <a:rPr lang="en-US" smtClean="0"/>
-              <a:t>12/15/20</a:t>
+              <a:t>12/20/20</a:t>
             </a:fld>
             <a:endParaRPr lang="en-US"/>
           </a:p>
@@ -1007,7 +1007,7 @@
           <a:p>
             <a:fld id="{B465379F-072B-7C4D-8A94-CEFE079C28E6}" type="datetimeFigureOut">
               <a:rPr lang="en-US" smtClean="0"/>
-              <a:t>12/15/20</a:t>
+              <a:t>12/20/20</a:t>
             </a:fld>
             <a:endParaRPr lang="en-US"/>
           </a:p>
@@ -1239,7 +1239,7 @@
           <a:p>
             <a:fld id="{B465379F-072B-7C4D-8A94-CEFE079C28E6}" type="datetimeFigureOut">
               <a:rPr lang="en-US" smtClean="0"/>
-              <a:t>12/15/20</a:t>
+              <a:t>12/20/20</a:t>
             </a:fld>
             <a:endParaRPr lang="en-US"/>
           </a:p>
@@ -1606,7 +1606,7 @@
           <a:p>
             <a:fld id="{B465379F-072B-7C4D-8A94-CEFE079C28E6}" type="datetimeFigureOut">
               <a:rPr lang="en-US" smtClean="0"/>
-              <a:t>12/15/20</a:t>
+              <a:t>12/20/20</a:t>
             </a:fld>
             <a:endParaRPr lang="en-US"/>
           </a:p>
@@ -1724,7 +1724,7 @@
           <a:p>
             <a:fld id="{B465379F-072B-7C4D-8A94-CEFE079C28E6}" type="datetimeFigureOut">
               <a:rPr lang="en-US" smtClean="0"/>
-              <a:t>12/15/20</a:t>
+              <a:t>12/20/20</a:t>
             </a:fld>
             <a:endParaRPr lang="en-US"/>
           </a:p>
@@ -1819,7 +1819,7 @@
           <a:p>
             <a:fld id="{B465379F-072B-7C4D-8A94-CEFE079C28E6}" type="datetimeFigureOut">
               <a:rPr lang="en-US" smtClean="0"/>
-              <a:t>12/15/20</a:t>
+              <a:t>12/20/20</a:t>
             </a:fld>
             <a:endParaRPr lang="en-US"/>
           </a:p>
@@ -2096,7 +2096,7 @@
           <a:p>
             <a:fld id="{B465379F-072B-7C4D-8A94-CEFE079C28E6}" type="datetimeFigureOut">
               <a:rPr lang="en-US" smtClean="0"/>
-              <a:t>12/15/20</a:t>
+              <a:t>12/20/20</a:t>
             </a:fld>
             <a:endParaRPr lang="en-US"/>
           </a:p>
@@ -2353,7 +2353,7 @@
           <a:p>
             <a:fld id="{B465379F-072B-7C4D-8A94-CEFE079C28E6}" type="datetimeFigureOut">
               <a:rPr lang="en-US" smtClean="0"/>
-              <a:t>12/15/20</a:t>
+              <a:t>12/20/20</a:t>
             </a:fld>
             <a:endParaRPr lang="en-US"/>
           </a:p>
@@ -2566,7 +2566,7 @@
           <a:p>
             <a:fld id="{B465379F-072B-7C4D-8A94-CEFE079C28E6}" type="datetimeFigureOut">
               <a:rPr lang="en-US" smtClean="0"/>
-              <a:t>12/15/20</a:t>
+              <a:t>12/20/20</a:t>
             </a:fld>
             <a:endParaRPr lang="en-US"/>
           </a:p>
@@ -2993,7 +2993,7 @@
         <p:spPr>
           <a:xfrm>
             <a:off x="0" y="323166"/>
-            <a:ext cx="3626791" cy="5077508"/>
+            <a:ext cx="3626791" cy="5077507"/>
           </a:xfrm>
           <a:prstGeom prst="rect">
             <a:avLst/>
